--- a/_static/2016-final-lecture.pptx
+++ b/_static/2016-final-lecture.pptx
@@ -330,7 +330,7 @@
             <a:fld id="{7624E5D9-1A06-4F4D-B487-70149C634D97}" type="datetimeFigureOut">
               <a:rPr lang="en-US" smtClean="0"/>
               <a:pPr/>
-              <a:t>8/18/16</a:t>
+              <a:t>8/19/16</a:t>
             </a:fld>
             <a:endParaRPr lang="en-US"/>
           </a:p>
@@ -685,7 +685,7 @@
             <a:fld id="{7624E5D9-1A06-4F4D-B487-70149C634D97}" type="datetimeFigureOut">
               <a:rPr lang="en-US" smtClean="0"/>
               <a:pPr/>
-              <a:t>8/18/16</a:t>
+              <a:t>8/19/16</a:t>
             </a:fld>
             <a:endParaRPr lang="en-US"/>
           </a:p>
@@ -862,7 +862,7 @@
             <a:fld id="{7624E5D9-1A06-4F4D-B487-70149C634D97}" type="datetimeFigureOut">
               <a:rPr lang="en-US" smtClean="0"/>
               <a:pPr/>
-              <a:t>8/18/16</a:t>
+              <a:t>8/19/16</a:t>
             </a:fld>
             <a:endParaRPr lang="en-US"/>
           </a:p>
@@ -977,7 +977,7 @@
             <a:fld id="{7624E5D9-1A06-4F4D-B487-70149C634D97}" type="datetimeFigureOut">
               <a:rPr lang="en-US" smtClean="0"/>
               <a:pPr/>
-              <a:t>8/18/16</a:t>
+              <a:t>8/19/16</a:t>
             </a:fld>
             <a:endParaRPr lang="en-US"/>
           </a:p>
@@ -1337,7 +1337,7 @@
             <a:fld id="{7624E5D9-1A06-4F4D-B487-70149C634D97}" type="datetimeFigureOut">
               <a:rPr lang="en-US" smtClean="0"/>
               <a:pPr/>
-              <a:t>8/18/16</a:t>
+              <a:t>8/19/16</a:t>
             </a:fld>
             <a:endParaRPr lang="en-US"/>
           </a:p>
@@ -1604,7 +1604,7 @@
             <a:fld id="{7624E5D9-1A06-4F4D-B487-70149C634D97}" type="datetimeFigureOut">
               <a:rPr lang="en-US" smtClean="0"/>
               <a:pPr/>
-              <a:t>8/18/16</a:t>
+              <a:t>8/19/16</a:t>
             </a:fld>
             <a:endParaRPr lang="en-US"/>
           </a:p>
@@ -1968,7 +1968,7 @@
             <a:fld id="{7624E5D9-1A06-4F4D-B487-70149C634D97}" type="datetimeFigureOut">
               <a:rPr lang="en-US" smtClean="0"/>
               <a:pPr/>
-              <a:t>8/18/16</a:t>
+              <a:t>8/19/16</a:t>
             </a:fld>
             <a:endParaRPr lang="en-US"/>
           </a:p>
@@ -2197,7 +2197,7 @@
             <a:fld id="{7624E5D9-1A06-4F4D-B487-70149C634D97}" type="datetimeFigureOut">
               <a:rPr lang="en-US" smtClean="0"/>
               <a:pPr/>
-              <a:t>8/18/16</a:t>
+              <a:t>8/19/16</a:t>
             </a:fld>
             <a:endParaRPr lang="en-US"/>
           </a:p>
@@ -2289,7 +2289,7 @@
             <a:fld id="{7624E5D9-1A06-4F4D-B487-70149C634D97}" type="datetimeFigureOut">
               <a:rPr lang="en-US" smtClean="0"/>
               <a:pPr/>
-              <a:t>8/18/16</a:t>
+              <a:t>8/19/16</a:t>
             </a:fld>
             <a:endParaRPr lang="en-US"/>
           </a:p>
@@ -2558,7 +2558,7 @@
             <a:fld id="{7624E5D9-1A06-4F4D-B487-70149C634D97}" type="datetimeFigureOut">
               <a:rPr lang="en-US" smtClean="0"/>
               <a:pPr/>
-              <a:t>8/18/16</a:t>
+              <a:t>8/19/16</a:t>
             </a:fld>
             <a:endParaRPr lang="en-US"/>
           </a:p>
@@ -2788,7 +2788,7 @@
             <a:fld id="{7624E5D9-1A06-4F4D-B487-70149C634D97}" type="datetimeFigureOut">
               <a:rPr lang="en-US" smtClean="0"/>
               <a:pPr/>
-              <a:t>8/18/16</a:t>
+              <a:t>8/19/16</a:t>
             </a:fld>
             <a:endParaRPr lang="en-US"/>
           </a:p>
@@ -3289,7 +3289,7 @@
             <a:fld id="{7624E5D9-1A06-4F4D-B487-70149C634D97}" type="datetimeFigureOut">
               <a:rPr lang="en-US" smtClean="0"/>
               <a:pPr/>
-              <a:t>8/18/16</a:t>
+              <a:t>8/19/16</a:t>
             </a:fld>
             <a:endParaRPr lang="en-US"/>
           </a:p>
@@ -3709,10 +3709,10 @@
           <a:bodyPr/>
           <a:lstStyle/>
           <a:p>
-            <a:r>
-              <a:rPr lang="en-US" dirty="0" smtClean="0"/>
-              <a:t>C. Titus Brown</a:t>
-            </a:r>
+            <a:endParaRPr lang="en-US" dirty="0"/>
+          </a:p>
+          <a:p>
+            <a:endParaRPr lang="en-US" dirty="0" smtClean="0"/>
           </a:p>
         </p:txBody>
       </p:sp>
@@ -3952,13 +3952,6 @@
           <a:p>
             <a:endParaRPr lang="en-US" dirty="0"/>
           </a:p>
-          <a:p>
-            <a:r>
-              <a:rPr lang="en-US" dirty="0" smtClean="0"/>
-              <a:t>…and most reviewers will miss this stuff anyway.</a:t>
-            </a:r>
-            <a:endParaRPr lang="en-US" dirty="0"/>
-          </a:p>
         </p:txBody>
       </p:sp>
     </p:spTree>
@@ -4097,23 +4090,7 @@
           <a:p>
             <a:r>
               <a:rPr lang="en-US" dirty="0" smtClean="0"/>
-              <a:t>Come visit </a:t>
-            </a:r>
-            <a:r>
-              <a:rPr lang="en-US" dirty="0" smtClean="0"/>
-              <a:t>Matt</a:t>
-            </a:r>
-            <a:r>
-              <a:rPr lang="en-US" dirty="0" smtClean="0"/>
-              <a:t> </a:t>
-            </a:r>
-            <a:r>
-              <a:rPr lang="en-US" dirty="0" smtClean="0"/>
-              <a:t>in </a:t>
-            </a:r>
-            <a:r>
-              <a:rPr lang="en-US" dirty="0" smtClean="0"/>
-              <a:t>NH and </a:t>
+              <a:t>Come visit Matt in NH and </a:t>
             </a:r>
             <a:r>
               <a:rPr lang="en-US" smtClean="0"/>
@@ -5034,15 +5011,7 @@
           <a:p>
             <a:r>
               <a:rPr lang="en-US" dirty="0" smtClean="0"/>
-              <a:t>Most research is never replicated </a:t>
-            </a:r>
-            <a:r>
-              <a:rPr lang="en-US" dirty="0" smtClean="0"/>
-              <a:t>exactly</a:t>
-            </a:r>
-            <a:r>
-              <a:rPr lang="en-US" dirty="0" smtClean="0"/>
-              <a:t>, but rather reproduced (</a:t>
+              <a:t>Most research is never replicated exactly, but rather reproduced (</a:t>
             </a:r>
             <a:r>
               <a:rPr lang="en-US" dirty="0" err="1" smtClean="0"/>
